--- a/Lectures/Boosting/Boosting.pptx
+++ b/Lectures/Boosting/Boosting.pptx
@@ -4370,7 +4370,7 @@
           <a:p>
             <a:fld id="{5154648D-1E64-4872-A910-C82A49711756}" type="datetimeFigureOut">
               <a:rPr lang="en-IN" smtClean="0"/>
-              <a:t>21-09-2021</a:t>
+              <a:t>01-12-2022</a:t>
             </a:fld>
             <a:endParaRPr lang="en-IN"/>
           </a:p>
@@ -6480,7 +6480,7 @@
           <a:p>
             <a:fld id="{346E9AA3-F84F-4B68-ADC1-52B4AFE55A0F}" type="datetimeFigureOut">
               <a:rPr lang="en-US" smtClean="0"/>
-              <a:t>9/21/2021</a:t>
+              <a:t>12/1/2022</a:t>
             </a:fld>
             <a:endParaRPr lang="en-US"/>
           </a:p>
@@ -6731,7 +6731,7 @@
           <a:p>
             <a:fld id="{346E9AA3-F84F-4B68-ADC1-52B4AFE55A0F}" type="datetimeFigureOut">
               <a:rPr lang="en-US" smtClean="0"/>
-              <a:t>9/21/2021</a:t>
+              <a:t>12/1/2022</a:t>
             </a:fld>
             <a:endParaRPr lang="en-US"/>
           </a:p>
@@ -7045,7 +7045,7 @@
           <a:p>
             <a:fld id="{346E9AA3-F84F-4B68-ADC1-52B4AFE55A0F}" type="datetimeFigureOut">
               <a:rPr lang="en-US" smtClean="0"/>
-              <a:t>9/21/2021</a:t>
+              <a:t>12/1/2022</a:t>
             </a:fld>
             <a:endParaRPr lang="en-US"/>
           </a:p>
@@ -7378,7 +7378,7 @@
           <a:p>
             <a:fld id="{346E9AA3-F84F-4B68-ADC1-52B4AFE55A0F}" type="datetimeFigureOut">
               <a:rPr lang="en-US" smtClean="0"/>
-              <a:t>9/21/2021</a:t>
+              <a:t>12/1/2022</a:t>
             </a:fld>
             <a:endParaRPr lang="en-US"/>
           </a:p>
@@ -7692,7 +7692,7 @@
           <a:p>
             <a:fld id="{346E9AA3-F84F-4B68-ADC1-52B4AFE55A0F}" type="datetimeFigureOut">
               <a:rPr lang="en-US" smtClean="0"/>
-              <a:t>9/21/2021</a:t>
+              <a:t>12/1/2022</a:t>
             </a:fld>
             <a:endParaRPr lang="en-US"/>
           </a:p>
@@ -8085,7 +8085,7 @@
           <a:p>
             <a:fld id="{346E9AA3-F84F-4B68-ADC1-52B4AFE55A0F}" type="datetimeFigureOut">
               <a:rPr lang="en-US" smtClean="0"/>
-              <a:t>9/21/2021</a:t>
+              <a:t>12/1/2022</a:t>
             </a:fld>
             <a:endParaRPr lang="en-US"/>
           </a:p>
@@ -8255,7 +8255,7 @@
           <a:p>
             <a:fld id="{346E9AA3-F84F-4B68-ADC1-52B4AFE55A0F}" type="datetimeFigureOut">
               <a:rPr lang="en-US" smtClean="0"/>
-              <a:t>9/21/2021</a:t>
+              <a:t>12/1/2022</a:t>
             </a:fld>
             <a:endParaRPr lang="en-US"/>
           </a:p>
@@ -8435,7 +8435,7 @@
           <a:p>
             <a:fld id="{346E9AA3-F84F-4B68-ADC1-52B4AFE55A0F}" type="datetimeFigureOut">
               <a:rPr lang="en-US" smtClean="0"/>
-              <a:t>9/21/2021</a:t>
+              <a:t>12/1/2022</a:t>
             </a:fld>
             <a:endParaRPr lang="en-US"/>
           </a:p>
@@ -8605,7 +8605,7 @@
           <a:p>
             <a:fld id="{346E9AA3-F84F-4B68-ADC1-52B4AFE55A0F}" type="datetimeFigureOut">
               <a:rPr lang="en-US" smtClean="0"/>
-              <a:t>9/21/2021</a:t>
+              <a:t>12/1/2022</a:t>
             </a:fld>
             <a:endParaRPr lang="en-US"/>
           </a:p>
@@ -8882,7 +8882,7 @@
           <a:p>
             <a:fld id="{346E9AA3-F84F-4B68-ADC1-52B4AFE55A0F}" type="datetimeFigureOut">
               <a:rPr lang="en-US" smtClean="0"/>
-              <a:t>9/21/2021</a:t>
+              <a:t>12/1/2022</a:t>
             </a:fld>
             <a:endParaRPr lang="en-US"/>
           </a:p>
@@ -9114,7 +9114,7 @@
           <a:p>
             <a:fld id="{346E9AA3-F84F-4B68-ADC1-52B4AFE55A0F}" type="datetimeFigureOut">
               <a:rPr lang="en-US" smtClean="0"/>
-              <a:t>9/21/2021</a:t>
+              <a:t>12/1/2022</a:t>
             </a:fld>
             <a:endParaRPr lang="en-US"/>
           </a:p>
@@ -9488,7 +9488,7 @@
           <a:p>
             <a:fld id="{346E9AA3-F84F-4B68-ADC1-52B4AFE55A0F}" type="datetimeFigureOut">
               <a:rPr lang="en-US" smtClean="0"/>
-              <a:t>9/21/2021</a:t>
+              <a:t>12/1/2022</a:t>
             </a:fld>
             <a:endParaRPr lang="en-US"/>
           </a:p>
@@ -9611,7 +9611,7 @@
           <a:p>
             <a:fld id="{346E9AA3-F84F-4B68-ADC1-52B4AFE55A0F}" type="datetimeFigureOut">
               <a:rPr lang="en-US" smtClean="0"/>
-              <a:t>9/21/2021</a:t>
+              <a:t>12/1/2022</a:t>
             </a:fld>
             <a:endParaRPr lang="en-US"/>
           </a:p>
@@ -9706,7 +9706,7 @@
           <a:p>
             <a:fld id="{346E9AA3-F84F-4B68-ADC1-52B4AFE55A0F}" type="datetimeFigureOut">
               <a:rPr lang="en-US" smtClean="0"/>
-              <a:t>9/21/2021</a:t>
+              <a:t>12/1/2022</a:t>
             </a:fld>
             <a:endParaRPr lang="en-US"/>
           </a:p>
@@ -9961,7 +9961,7 @@
           <a:p>
             <a:fld id="{346E9AA3-F84F-4B68-ADC1-52B4AFE55A0F}" type="datetimeFigureOut">
               <a:rPr lang="en-US" smtClean="0"/>
-              <a:t>9/21/2021</a:t>
+              <a:t>12/1/2022</a:t>
             </a:fld>
             <a:endParaRPr lang="en-US"/>
           </a:p>
@@ -10266,7 +10266,7 @@
           <a:p>
             <a:fld id="{346E9AA3-F84F-4B68-ADC1-52B4AFE55A0F}" type="datetimeFigureOut">
               <a:rPr lang="en-US" smtClean="0"/>
-              <a:t>9/21/2021</a:t>
+              <a:t>12/1/2022</a:t>
             </a:fld>
             <a:endParaRPr lang="en-US"/>
           </a:p>
@@ -10968,7 +10968,7 @@
           <a:p>
             <a:fld id="{346E9AA3-F84F-4B68-ADC1-52B4AFE55A0F}" type="datetimeFigureOut">
               <a:rPr lang="en-US" smtClean="0"/>
-              <a:t>9/21/2021</a:t>
+              <a:t>12/1/2022</a:t>
             </a:fld>
             <a:endParaRPr lang="en-US"/>
           </a:p>
@@ -15579,7 +15579,7 @@
                 <a:latin typeface="Calibri" panose="020F0502020204030204" pitchFamily="34" charset="0"/>
                 <a:cs typeface="Calibri" panose="020F0502020204030204" pitchFamily="34" charset="0"/>
               </a:rPr>
-              <a:t>Column Block for Parallel Learning . A block is basically a small subset of data distributed among different machines (cores)</a:t>
+              <a:t>Column Block for Parallel Learning . A block is basically a small subset of data distributed among different machines (cores).</a:t>
             </a:r>
           </a:p>
           <a:p>
